--- a/Presentation/BasePresentation.pptx
+++ b/Presentation/BasePresentation.pptx
@@ -5,7 +5,7 @@
     <p:sldMasterId id="2147483713" r:id="rId1"/>
   </p:sldMasterIdLst>
   <p:notesMasterIdLst>
-    <p:notesMasterId r:id="rId16"/>
+    <p:notesMasterId r:id="rId17"/>
   </p:notesMasterIdLst>
   <p:sldIdLst>
     <p:sldId id="256" r:id="rId2"/>
@@ -20,8 +20,9 @@
     <p:sldId id="266" r:id="rId11"/>
     <p:sldId id="269" r:id="rId12"/>
     <p:sldId id="270" r:id="rId13"/>
-    <p:sldId id="259" r:id="rId14"/>
-    <p:sldId id="258" r:id="rId15"/>
+    <p:sldId id="271" r:id="rId14"/>
+    <p:sldId id="259" r:id="rId15"/>
+    <p:sldId id="258" r:id="rId16"/>
   </p:sldIdLst>
   <p:sldSz cx="12192000" cy="6858000"/>
   <p:notesSz cx="6858000" cy="9144000"/>
@@ -691,11 +692,85 @@
           <a:p>
             <a:r>
               <a:rPr lang="pt-PT" dirty="0"/>
-              <a:t>A estimulação da garrafa foi feita numa fase inicial de forma manual, tendo sido mais tarde utilizado um solenoide, com o propósito de tornar automático o processo </a:t>
-            </a:r>
-            <a:r>
-              <a:rPr lang="pt-PT"/>
-              <a:t>de estimulação.</a:t>
+              <a:t>A estimulação da garrafa foi feita numa fase inicial de forma manual, tendo sido mais tarde utilizado um solenoide, com o propósito de tornar automático o processo de estimulação.</a:t>
+            </a:r>
+          </a:p>
+          <a:p>
+            <a:r>
+              <a:rPr lang="pt-PT" dirty="0"/>
+              <a:t>Como unidade de processamento, utilizou-se um </a:t>
+            </a:r>
+            <a:r>
+              <a:rPr lang="pt-PT" dirty="0" err="1"/>
+              <a:t>LaunchPad</a:t>
+            </a:r>
+            <a:r>
+              <a:rPr lang="pt-PT" dirty="0"/>
+              <a:t> da TI. O </a:t>
+            </a:r>
+            <a:r>
+              <a:rPr lang="pt-PT" dirty="0" err="1"/>
+              <a:t>LaunchPad</a:t>
+            </a:r>
+            <a:r>
+              <a:rPr lang="pt-PT" dirty="0"/>
+              <a:t> tem características muito interessantes para uma futura aplicação.</a:t>
+            </a:r>
+          </a:p>
+          <a:p>
+            <a:endParaRPr lang="pt-PT" dirty="0"/>
+          </a:p>
+          <a:p>
+            <a:r>
+              <a:rPr lang="pt-PT" dirty="0"/>
+              <a:t>Adicionalmente a esta seleção, foram desenhados os circuitos necessários para a interação dos elementos, no caso, circuitos de amplificação para o piezoelétrico e acelerómetro, e um circuito para dar </a:t>
+            </a:r>
+            <a:r>
+              <a:rPr lang="pt-PT" dirty="0" err="1"/>
+              <a:t>trigger</a:t>
+            </a:r>
+            <a:r>
+              <a:rPr lang="pt-PT" dirty="0"/>
+              <a:t> ao solenoide. </a:t>
+            </a:r>
+          </a:p>
+          <a:p>
+            <a:endParaRPr lang="pt-PT" dirty="0"/>
+          </a:p>
+          <a:p>
+            <a:r>
+              <a:rPr lang="pt-PT" dirty="0"/>
+              <a:t>Por fim, estudou-se diversos métodos de acoplar os sensores à garrafa, selecionando alguns deles. Para testes utilizou-se uma cinta para segurar o acelerómetro, colou-se um íman na superfície do acelerómetro e desenhou-se uma peça em 3D que suporta o sensor e se acopla à garrafa com 2 </a:t>
+            </a:r>
+            <a:r>
+              <a:rPr lang="pt-PT" dirty="0" err="1"/>
+              <a:t>imans</a:t>
+            </a:r>
+            <a:r>
+              <a:rPr lang="pt-PT" dirty="0"/>
+              <a:t>. </a:t>
+            </a:r>
+          </a:p>
+          <a:p>
+            <a:r>
+              <a:rPr lang="pt-PT" dirty="0"/>
+              <a:t>No caso do </a:t>
+            </a:r>
+            <a:r>
+              <a:rPr lang="pt-PT" dirty="0" err="1"/>
+              <a:t>piezoeletrico</a:t>
+            </a:r>
+            <a:r>
+              <a:rPr lang="pt-PT" dirty="0"/>
+              <a:t>, utilizou-se o ultimo método referido para o acelerómetro, mas de dois modos, o primeiro da mesma maneira que o acelerómetro, o segundo a peça possuía um orifício onde é inserido o </a:t>
+            </a:r>
+            <a:r>
+              <a:rPr lang="pt-PT" dirty="0" err="1"/>
+              <a:t>piezoeletrico</a:t>
+            </a:r>
+            <a:r>
+              <a:rPr lang="pt-PT" dirty="0"/>
+              <a:t>.</a:t>
             </a:r>
           </a:p>
         </p:txBody>
@@ -7253,7 +7328,7 @@
             <a:spLocks noGrp="1"/>
           </p:cNvSpPr>
           <p:nvPr>
-            <p:ph sz="half" idx="1"/>
+            <p:ph idx="1"/>
           </p:nvPr>
         </p:nvSpPr>
         <p:spPr/>
@@ -7275,37 +7350,13 @@
           <a:p>
             <a:r>
               <a:rPr lang="pt-PT" dirty="0"/>
-              <a:t>Identificação de métodos de </a:t>
-            </a:r>
-            <a:r>
-              <a:rPr lang="pt-PT" dirty="0" err="1"/>
-              <a:t>coupling</a:t>
-            </a:r>
-            <a:endParaRPr lang="pt-PT" dirty="0"/>
-          </a:p>
-        </p:txBody>
-      </p:sp>
-      <p:sp>
-        <p:nvSpPr>
-          <p:cNvPr id="8" name="Marcador de Posição de Conteúdo 7">
-            <a:extLst>
-              <a:ext uri="{FF2B5EF4-FFF2-40B4-BE49-F238E27FC236}">
-                <a16:creationId xmlns:a16="http://schemas.microsoft.com/office/drawing/2014/main" id="{69157538-85F4-4FD0-8BD9-DD29D95DA615}"/>
-              </a:ext>
-            </a:extLst>
-          </p:cNvPr>
-          <p:cNvSpPr>
-            <a:spLocks noGrp="1"/>
-          </p:cNvSpPr>
-          <p:nvPr>
-            <p:ph sz="half" idx="2"/>
-          </p:nvPr>
-        </p:nvSpPr>
-        <p:spPr/>
-        <p:txBody>
-          <a:bodyPr/>
-          <a:lstStyle/>
-          <a:p>
+              <a:t>Identificação de métodos de acoplamento</a:t>
+            </a:r>
+          </a:p>
+          <a:p>
+            <a:pPr marL="0" indent="0">
+              <a:buNone/>
+            </a:pPr>
             <a:endParaRPr lang="pt-PT" dirty="0"/>
           </a:p>
         </p:txBody>
@@ -7353,6 +7404,118 @@
 </file>
 
 <file path=ppt/slides/slide13.xml><?xml version="1.0" encoding="utf-8"?>
+<p:sld xmlns:a="http://schemas.openxmlformats.org/drawingml/2006/main" xmlns:r="http://schemas.openxmlformats.org/officeDocument/2006/relationships" xmlns:p="http://schemas.openxmlformats.org/presentationml/2006/main">
+  <p:cSld>
+    <p:spTree>
+      <p:nvGrpSpPr>
+        <p:cNvPr id="1" name=""/>
+        <p:cNvGrpSpPr/>
+        <p:nvPr/>
+      </p:nvGrpSpPr>
+      <p:grpSpPr>
+        <a:xfrm>
+          <a:off x="0" y="0"/>
+          <a:ext cx="0" cy="0"/>
+          <a:chOff x="0" y="0"/>
+          <a:chExt cx="0" cy="0"/>
+        </a:xfrm>
+      </p:grpSpPr>
+      <p:sp>
+        <p:nvSpPr>
+          <p:cNvPr id="2" name="Título 1">
+            <a:extLst>
+              <a:ext uri="{FF2B5EF4-FFF2-40B4-BE49-F238E27FC236}">
+                <a16:creationId xmlns:a16="http://schemas.microsoft.com/office/drawing/2014/main" id="{15DA4ED4-21B7-4E4B-86A4-F781A00988E6}"/>
+              </a:ext>
+            </a:extLst>
+          </p:cNvPr>
+          <p:cNvSpPr>
+            <a:spLocks noGrp="1"/>
+          </p:cNvSpPr>
+          <p:nvPr>
+            <p:ph type="title"/>
+          </p:nvPr>
+        </p:nvSpPr>
+        <p:spPr/>
+        <p:txBody>
+          <a:bodyPr/>
+          <a:lstStyle/>
+          <a:p>
+            <a:r>
+              <a:rPr lang="pt-PT" dirty="0"/>
+              <a:t>Software</a:t>
+            </a:r>
+          </a:p>
+        </p:txBody>
+      </p:sp>
+      <p:sp>
+        <p:nvSpPr>
+          <p:cNvPr id="3" name="Marcador de Posição de Conteúdo 2">
+            <a:extLst>
+              <a:ext uri="{FF2B5EF4-FFF2-40B4-BE49-F238E27FC236}">
+                <a16:creationId xmlns:a16="http://schemas.microsoft.com/office/drawing/2014/main" id="{5C9E9126-250F-4A3B-A672-D71AF46A9042}"/>
+              </a:ext>
+            </a:extLst>
+          </p:cNvPr>
+          <p:cNvSpPr>
+            <a:spLocks noGrp="1"/>
+          </p:cNvSpPr>
+          <p:nvPr>
+            <p:ph idx="1"/>
+          </p:nvPr>
+        </p:nvSpPr>
+        <p:spPr/>
+        <p:txBody>
+          <a:bodyPr/>
+          <a:lstStyle/>
+          <a:p>
+            <a:endParaRPr lang="pt-PT" dirty="0"/>
+          </a:p>
+        </p:txBody>
+      </p:sp>
+      <p:sp>
+        <p:nvSpPr>
+          <p:cNvPr id="4" name="Marcador de Posição do Número do Diapositivo 3">
+            <a:extLst>
+              <a:ext uri="{FF2B5EF4-FFF2-40B4-BE49-F238E27FC236}">
+                <a16:creationId xmlns:a16="http://schemas.microsoft.com/office/drawing/2014/main" id="{47FAB0BC-6067-462A-9897-F9B9EB906167}"/>
+              </a:ext>
+            </a:extLst>
+          </p:cNvPr>
+          <p:cNvSpPr>
+            <a:spLocks noGrp="1"/>
+          </p:cNvSpPr>
+          <p:nvPr>
+            <p:ph type="sldNum" sz="quarter" idx="12"/>
+          </p:nvPr>
+        </p:nvSpPr>
+        <p:spPr/>
+        <p:txBody>
+          <a:bodyPr/>
+          <a:lstStyle/>
+          <a:p>
+            <a:fld id="{7D6AD496-0BFC-4E6D-BA12-E6F0E6E58E27}" type="slidenum">
+              <a:rPr lang="pt-PT" smtClean="0"/>
+              <a:t>13</a:t>
+            </a:fld>
+            <a:endParaRPr lang="pt-PT"/>
+          </a:p>
+        </p:txBody>
+      </p:sp>
+    </p:spTree>
+    <p:extLst>
+      <p:ext uri="{BB962C8B-B14F-4D97-AF65-F5344CB8AC3E}">
+        <p14:creationId xmlns:p14="http://schemas.microsoft.com/office/powerpoint/2010/main" val="1322823200"/>
+      </p:ext>
+    </p:extLst>
+  </p:cSld>
+  <p:clrMapOvr>
+    <a:masterClrMapping/>
+  </p:clrMapOvr>
+</p:sld>
+</file>
+
+<file path=ppt/slides/slide14.xml><?xml version="1.0" encoding="utf-8"?>
 <p:sld xmlns:a="http://schemas.openxmlformats.org/drawingml/2006/main" xmlns:r="http://schemas.openxmlformats.org/officeDocument/2006/relationships" xmlns:p="http://schemas.openxmlformats.org/presentationml/2006/main">
   <p:cSld>
     <p:bg>
@@ -7807,7 +7970,7 @@
                   <a:spcPts val="600"/>
                 </a:spcAft>
               </a:pPr>
-              <a:t>13</a:t>
+              <a:t>14</a:t>
             </a:fld>
             <a:endParaRPr lang="en-US"/>
           </a:p>
@@ -7878,7 +8041,7 @@
 </p:sld>
 </file>
 
-<file path=ppt/slides/slide14.xml><?xml version="1.0" encoding="utf-8"?>
+<file path=ppt/slides/slide15.xml><?xml version="1.0" encoding="utf-8"?>
 <p:sld xmlns:a="http://schemas.openxmlformats.org/drawingml/2006/main" xmlns:r="http://schemas.openxmlformats.org/officeDocument/2006/relationships" xmlns:p="http://schemas.openxmlformats.org/presentationml/2006/main">
   <p:cSld>
     <p:spTree>
@@ -7952,7 +8115,7 @@
           <a:p>
             <a:fld id="{7D6AD496-0BFC-4E6D-BA12-E6F0E6E58E27}" type="slidenum">
               <a:rPr lang="pt-PT" smtClean="0"/>
-              <a:t>14</a:t>
+              <a:t>15</a:t>
             </a:fld>
             <a:endParaRPr lang="pt-PT"/>
           </a:p>
@@ -8173,7 +8336,7 @@
         <p:spPr/>
         <p:txBody>
           <a:bodyPr>
-            <a:normAutofit lnSpcReduction="10000"/>
+            <a:normAutofit/>
           </a:bodyPr>
           <a:lstStyle/>
           <a:p>
@@ -8205,21 +8368,12 @@
             </a:r>
           </a:p>
           <a:p>
-            <a:pPr lvl="1"/>
-            <a:r>
-              <a:rPr lang="pt-PT" dirty="0"/>
-              <a:t>Elementos</a:t>
-            </a:r>
-          </a:p>
-          <a:p>
-            <a:pPr lvl="1"/>
             <a:r>
               <a:rPr lang="pt-PT" dirty="0"/>
               <a:t>Hardware</a:t>
             </a:r>
           </a:p>
           <a:p>
-            <a:pPr lvl="1"/>
             <a:r>
               <a:rPr lang="pt-PT" dirty="0"/>
               <a:t>Software</a:t>
